--- a/atelier_xml.pptx
+++ b/atelier_xml.pptx
@@ -6,7 +6,15 @@
   </p:sldMasterIdLst>
   <p:sldIdLst>
     <p:sldId id="256" r:id="rId2"/>
-    <p:sldId id="257" r:id="rId3"/>
+    <p:sldId id="265" r:id="rId3"/>
+    <p:sldId id="257" r:id="rId4"/>
+    <p:sldId id="258" r:id="rId5"/>
+    <p:sldId id="259" r:id="rId6"/>
+    <p:sldId id="260" r:id="rId7"/>
+    <p:sldId id="261" r:id="rId8"/>
+    <p:sldId id="263" r:id="rId9"/>
+    <p:sldId id="262" r:id="rId10"/>
+    <p:sldId id="264" r:id="rId11"/>
   </p:sldIdLst>
   <p:sldSz cx="12192000" cy="6858000"/>
   <p:notesSz cx="6858000" cy="9144000"/>
@@ -3785,6 +3793,10 @@
           <a:bodyPr/>
           <a:lstStyle/>
           <a:p>
+            <a:r>
+              <a:rPr lang="en-US"/>
+              <a:t>Manipuler des fichiers XML</a:t>
+            </a:r>
             <a:endParaRPr lang="en-US"/>
           </a:p>
         </p:txBody>
@@ -3804,7 +3816,10 @@
           <a:bodyPr/>
           <a:lstStyle/>
           <a:p>
-            <a:endParaRPr lang="en-US"/>
+            <a:r>
+              <a:rPr lang="en-US"/>
+              <a:t>Avec Python et XPATH</a:t>
+            </a:r>
           </a:p>
         </p:txBody>
       </p:sp>
@@ -3812,6 +3827,118 @@
     <p:extLst>
       <p:ext uri="{BB962C8B-B14F-4D97-AF65-F5344CB8AC3E}">
         <p14:creationId xmlns:p14="http://schemas.microsoft.com/office/powerpoint/2010/main" val="1625063296"/>
+      </p:ext>
+    </p:extLst>
+  </p:cSld>
+  <p:clrMapOvr>
+    <a:masterClrMapping/>
+  </p:clrMapOvr>
+</p:sld>
+</file>
+
+<file path=ppt/slides/slide10.xml><?xml version="1.0" encoding="utf-8"?>
+<p:sld xmlns:a="http://schemas.openxmlformats.org/drawingml/2006/main" xmlns:r="http://schemas.openxmlformats.org/officeDocument/2006/relationships" xmlns:p="http://schemas.openxmlformats.org/presentationml/2006/main">
+  <p:cSld>
+    <p:spTree>
+      <p:nvGrpSpPr>
+        <p:cNvPr id="1" name=""/>
+        <p:cNvGrpSpPr/>
+        <p:nvPr/>
+      </p:nvGrpSpPr>
+      <p:grpSpPr>
+        <a:xfrm>
+          <a:off x="0" y="0"/>
+          <a:ext cx="0" cy="0"/>
+          <a:chOff x="0" y="0"/>
+          <a:chExt cx="0" cy="0"/>
+        </a:xfrm>
+      </p:grpSpPr>
+      <p:sp>
+        <p:nvSpPr>
+          <p:cNvPr id="2" name="Title 1"/>
+          <p:cNvSpPr>
+            <a:spLocks noGrp="1"/>
+          </p:cNvSpPr>
+          <p:nvPr>
+            <p:ph type="title"/>
+          </p:nvPr>
+        </p:nvSpPr>
+        <p:spPr/>
+        <p:txBody>
+          <a:bodyPr/>
+          <a:lstStyle/>
+          <a:p>
+            <a:r>
+              <a:rPr lang="en-US"/>
+              <a:t>Trouver les elements</a:t>
+            </a:r>
+          </a:p>
+        </p:txBody>
+      </p:sp>
+      <p:sp>
+        <p:nvSpPr>
+          <p:cNvPr id="3" name="Content Placeholder 2"/>
+          <p:cNvSpPr>
+            <a:spLocks noGrp="1"/>
+          </p:cNvSpPr>
+          <p:nvPr>
+            <p:ph idx="1"/>
+          </p:nvPr>
+        </p:nvSpPr>
+        <p:spPr/>
+        <p:txBody>
+          <a:bodyPr>
+            <a:normAutofit lnSpcReduction="10000"/>
+          </a:bodyPr>
+          <a:lstStyle/>
+          <a:p>
+            <a:r>
+              <a:rPr lang="en-US"/>
+              <a:t>Pour trouver un élément spécifique, utilisez .find() et quelques XPATH.</a:t>
+            </a:r>
+          </a:p>
+          <a:p>
+            <a:r>
+              <a:rPr lang="en-US"/>
+              <a:t>/topic Renvoie l'élément racine &lt;topic&gt;.</a:t>
+            </a:r>
+          </a:p>
+          <a:p>
+            <a:r>
+              <a:rPr lang="en-US"/>
+              <a:t>//titre Renvoie tout élément &lt;titre&gt;.</a:t>
+            </a:r>
+          </a:p>
+          <a:p>
+            <a:r>
+              <a:rPr lang="en-US"/>
+              <a:t>//section/title Renvoie uniquement l'élément &lt;title&gt; qui est un enfant d'un élément &lt;section&gt;.</a:t>
+            </a:r>
+          </a:p>
+          <a:p>
+            <a:r>
+              <a:rPr lang="en-US"/>
+              <a:t>//p[@audience='expert'] Renvoie tout élément &lt;p&gt; où l'attribut @audience est défini comme expert.</a:t>
+            </a:r>
+          </a:p>
+          <a:p>
+            <a:r>
+              <a:rPr lang="en-US"/>
+              <a:t>//p[not(@audience)] Renvoie tout élément &lt;p&gt; où l'attribut @audience est absent.</a:t>
+            </a:r>
+          </a:p>
+          <a:p>
+            <a:r>
+              <a:rPr lang="en-US"/>
+              <a:t>//p[not(@audience='admin')] Renvoie tout élément &lt;p&gt;où l'attribut @audience n'a pas la valeur admin OU est manquant.</a:t>
+            </a:r>
+          </a:p>
+        </p:txBody>
+      </p:sp>
+    </p:spTree>
+    <p:extLst>
+      <p:ext uri="{BB962C8B-B14F-4D97-AF65-F5344CB8AC3E}">
+        <p14:creationId xmlns:p14="http://schemas.microsoft.com/office/powerpoint/2010/main" val="1223270026"/>
       </p:ext>
     </p:extLst>
   </p:cSld>
@@ -3855,6 +3982,95 @@
           <a:p>
             <a:r>
               <a:rPr lang="en-US"/>
+              <a:t>Installer Python</a:t>
+            </a:r>
+          </a:p>
+        </p:txBody>
+      </p:sp>
+      <p:sp>
+        <p:nvSpPr>
+          <p:cNvPr id="3" name="Content Placeholder 2"/>
+          <p:cNvSpPr>
+            <a:spLocks noGrp="1"/>
+          </p:cNvSpPr>
+          <p:nvPr>
+            <p:ph idx="1"/>
+          </p:nvPr>
+        </p:nvSpPr>
+        <p:spPr/>
+        <p:txBody>
+          <a:bodyPr/>
+          <a:lstStyle/>
+          <a:p>
+            <a:r>
+              <a:rPr lang="en-US"/>
+              <a:t>Telecharger cet atelier: https://github.com/jamesgawley/xml/</a:t>
+            </a:r>
+          </a:p>
+          <a:p>
+            <a:r>
+              <a:rPr lang="en-US">
+                <a:hlinkClick r:id="rId2"/>
+              </a:rPr>
+              <a:t>https://www.python.org/downloads/</a:t>
+            </a:r>
+            <a:endParaRPr lang="en-US"/>
+          </a:p>
+          <a:p>
+            <a:r>
+              <a:rPr lang="en-US"/>
+              <a:t>On va utiliser le paquet ‘xml’</a:t>
+            </a:r>
+          </a:p>
+        </p:txBody>
+      </p:sp>
+    </p:spTree>
+    <p:extLst>
+      <p:ext uri="{BB962C8B-B14F-4D97-AF65-F5344CB8AC3E}">
+        <p14:creationId xmlns:p14="http://schemas.microsoft.com/office/powerpoint/2010/main" val="494817448"/>
+      </p:ext>
+    </p:extLst>
+  </p:cSld>
+  <p:clrMapOvr>
+    <a:masterClrMapping/>
+  </p:clrMapOvr>
+</p:sld>
+</file>
+
+<file path=ppt/slides/slide3.xml><?xml version="1.0" encoding="utf-8"?>
+<p:sld xmlns:a="http://schemas.openxmlformats.org/drawingml/2006/main" xmlns:r="http://schemas.openxmlformats.org/officeDocument/2006/relationships" xmlns:p="http://schemas.openxmlformats.org/presentationml/2006/main">
+  <p:cSld>
+    <p:spTree>
+      <p:nvGrpSpPr>
+        <p:cNvPr id="1" name=""/>
+        <p:cNvGrpSpPr/>
+        <p:nvPr/>
+      </p:nvGrpSpPr>
+      <p:grpSpPr>
+        <a:xfrm>
+          <a:off x="0" y="0"/>
+          <a:ext cx="0" cy="0"/>
+          <a:chOff x="0" y="0"/>
+          <a:chExt cx="0" cy="0"/>
+        </a:xfrm>
+      </p:grpSpPr>
+      <p:sp>
+        <p:nvSpPr>
+          <p:cNvPr id="2" name="Title 1"/>
+          <p:cNvSpPr>
+            <a:spLocks noGrp="1"/>
+          </p:cNvSpPr>
+          <p:nvPr>
+            <p:ph type="title"/>
+          </p:nvPr>
+        </p:nvSpPr>
+        <p:spPr/>
+        <p:txBody>
+          <a:bodyPr/>
+          <a:lstStyle/>
+          <a:p>
+            <a:r>
+              <a:rPr lang="en-US"/>
               <a:t>Python packages (paquets)</a:t>
             </a:r>
           </a:p>
@@ -3927,6 +4143,663 @@
     <p:extLst>
       <p:ext uri="{BB962C8B-B14F-4D97-AF65-F5344CB8AC3E}">
         <p14:creationId xmlns:p14="http://schemas.microsoft.com/office/powerpoint/2010/main" val="1177859247"/>
+      </p:ext>
+    </p:extLst>
+  </p:cSld>
+  <p:clrMapOvr>
+    <a:masterClrMapping/>
+  </p:clrMapOvr>
+</p:sld>
+</file>
+
+<file path=ppt/slides/slide4.xml><?xml version="1.0" encoding="utf-8"?>
+<p:sld xmlns:a="http://schemas.openxmlformats.org/drawingml/2006/main" xmlns:r="http://schemas.openxmlformats.org/officeDocument/2006/relationships" xmlns:p="http://schemas.openxmlformats.org/presentationml/2006/main">
+  <p:cSld>
+    <p:spTree>
+      <p:nvGrpSpPr>
+        <p:cNvPr id="1" name=""/>
+        <p:cNvGrpSpPr/>
+        <p:nvPr/>
+      </p:nvGrpSpPr>
+      <p:grpSpPr>
+        <a:xfrm>
+          <a:off x="0" y="0"/>
+          <a:ext cx="0" cy="0"/>
+          <a:chOff x="0" y="0"/>
+          <a:chExt cx="0" cy="0"/>
+        </a:xfrm>
+      </p:grpSpPr>
+      <p:sp>
+        <p:nvSpPr>
+          <p:cNvPr id="2" name="Title 1"/>
+          <p:cNvSpPr>
+            <a:spLocks noGrp="1"/>
+          </p:cNvSpPr>
+          <p:nvPr>
+            <p:ph type="title"/>
+          </p:nvPr>
+        </p:nvSpPr>
+        <p:spPr/>
+        <p:txBody>
+          <a:bodyPr/>
+          <a:lstStyle/>
+          <a:p>
+            <a:r>
+              <a:rPr lang="en-US"/>
+              <a:t>Inspecting a function</a:t>
+            </a:r>
+          </a:p>
+        </p:txBody>
+      </p:sp>
+      <p:sp>
+        <p:nvSpPr>
+          <p:cNvPr id="3" name="Content Placeholder 2"/>
+          <p:cNvSpPr>
+            <a:spLocks noGrp="1"/>
+          </p:cNvSpPr>
+          <p:nvPr>
+            <p:ph idx="1"/>
+          </p:nvPr>
+        </p:nvSpPr>
+        <p:spPr/>
+        <p:txBody>
+          <a:bodyPr/>
+          <a:lstStyle/>
+          <a:p>
+            <a:r>
+              <a:rPr lang="en-US"/>
+              <a:t>dir(</a:t>
+            </a:r>
+            <a:r>
+              <a:rPr lang="en-US" u="sng"/>
+              <a:t>function</a:t>
+            </a:r>
+            <a:r>
+              <a:rPr lang="en-US"/>
+              <a:t>)</a:t>
+            </a:r>
+          </a:p>
+          <a:p>
+            <a:r>
+              <a:rPr lang="en-US"/>
+              <a:t>from inspect import getmembers, isclass, isfunction</a:t>
+            </a:r>
+          </a:p>
+          <a:p>
+            <a:r>
+              <a:rPr lang="en-US"/>
+              <a:t>for (name, member) in getmembers(ET, isfunction):</a:t>
+            </a:r>
+          </a:p>
+          <a:p>
+            <a:pPr marL="530352" lvl="1" indent="0">
+              <a:buNone/>
+            </a:pPr>
+            <a:r>
+              <a:rPr lang="en-US"/>
+              <a:t>   if not name.startswith("_"):</a:t>
+            </a:r>
+          </a:p>
+          <a:p>
+            <a:pPr marL="530352" lvl="1" indent="0">
+              <a:buNone/>
+            </a:pPr>
+            <a:r>
+              <a:rPr lang="en-US"/>
+              <a:t>   print(name)</a:t>
+            </a:r>
+          </a:p>
+        </p:txBody>
+      </p:sp>
+    </p:spTree>
+    <p:extLst>
+      <p:ext uri="{BB962C8B-B14F-4D97-AF65-F5344CB8AC3E}">
+        <p14:creationId xmlns:p14="http://schemas.microsoft.com/office/powerpoint/2010/main" val="456791480"/>
+      </p:ext>
+    </p:extLst>
+  </p:cSld>
+  <p:clrMapOvr>
+    <a:masterClrMapping/>
+  </p:clrMapOvr>
+</p:sld>
+</file>
+
+<file path=ppt/slides/slide5.xml><?xml version="1.0" encoding="utf-8"?>
+<p:sld xmlns:a="http://schemas.openxmlformats.org/drawingml/2006/main" xmlns:r="http://schemas.openxmlformats.org/officeDocument/2006/relationships" xmlns:p="http://schemas.openxmlformats.org/presentationml/2006/main">
+  <p:cSld>
+    <p:spTree>
+      <p:nvGrpSpPr>
+        <p:cNvPr id="1" name=""/>
+        <p:cNvGrpSpPr/>
+        <p:nvPr/>
+      </p:nvGrpSpPr>
+      <p:grpSpPr>
+        <a:xfrm>
+          <a:off x="0" y="0"/>
+          <a:ext cx="0" cy="0"/>
+          <a:chOff x="0" y="0"/>
+          <a:chExt cx="0" cy="0"/>
+        </a:xfrm>
+      </p:grpSpPr>
+      <p:sp>
+        <p:nvSpPr>
+          <p:cNvPr id="2" name="Title 1"/>
+          <p:cNvSpPr>
+            <a:spLocks noGrp="1"/>
+          </p:cNvSpPr>
+          <p:nvPr>
+            <p:ph type="title"/>
+          </p:nvPr>
+        </p:nvSpPr>
+        <p:spPr/>
+        <p:txBody>
+          <a:bodyPr/>
+          <a:lstStyle/>
+          <a:p>
+            <a:r>
+              <a:rPr lang="en-US"/>
+              <a:t>XML</a:t>
+            </a:r>
+          </a:p>
+        </p:txBody>
+      </p:sp>
+      <p:sp>
+        <p:nvSpPr>
+          <p:cNvPr id="3" name="Content Placeholder 2"/>
+          <p:cNvSpPr>
+            <a:spLocks noGrp="1"/>
+          </p:cNvSpPr>
+          <p:nvPr>
+            <p:ph idx="1"/>
+          </p:nvPr>
+        </p:nvSpPr>
+        <p:spPr/>
+        <p:txBody>
+          <a:bodyPr/>
+          <a:lstStyle/>
+          <a:p>
+            <a:r>
+              <a:rPr lang="en-US"/>
+              <a:t>Structure arborescente</a:t>
+            </a:r>
+          </a:p>
+          <a:p>
+            <a:r>
+              <a:rPr lang="en-US"/>
+              <a:t>Chaque nœud n'a qu'un seul parent, et 0+ enfants</a:t>
+            </a:r>
+          </a:p>
+          <a:p>
+            <a:r>
+              <a:rPr lang="en-US"/>
+              <a:t>Un document XML est un arbre où chaque nœud est un élément</a:t>
+            </a:r>
+          </a:p>
+          <a:p>
+            <a:r>
+              <a:rPr lang="en-US"/>
+              <a:t>Un élément est un, ou une paire de balises</a:t>
+            </a:r>
+          </a:p>
+          <a:p>
+            <a:pPr lvl="1"/>
+            <a:r>
+              <a:rPr lang="en-US"/>
+              <a:t>peut avoir attributs</a:t>
+            </a:r>
+          </a:p>
+          <a:p>
+            <a:pPr lvl="1"/>
+            <a:r>
+              <a:rPr lang="en-US"/>
+              <a:t>peut contient texte</a:t>
+            </a:r>
+          </a:p>
+          <a:p>
+            <a:pPr lvl="1"/>
+            <a:r>
+              <a:rPr lang="en-US"/>
+              <a:t>peut contient </a:t>
+            </a:r>
+            <a:r>
+              <a:rPr lang="en-US"/>
+              <a:t>d'autres éléments</a:t>
+            </a:r>
+          </a:p>
+        </p:txBody>
+      </p:sp>
+      <p:pic>
+        <p:nvPicPr>
+          <p:cNvPr id="1028" name="Picture 4" descr="Dns Tree Structure' Articles at Phil's "/>
+          <p:cNvPicPr>
+            <a:picLocks noChangeAspect="1" noChangeArrowheads="1"/>
+          </p:cNvPicPr>
+          <p:nvPr/>
+        </p:nvPicPr>
+        <p:blipFill>
+          <a:blip r:embed="rId2">
+            <a:extLst>
+              <a:ext uri="{28A0092B-C50C-407E-A947-70E740481C1C}">
+                <a14:useLocalDpi xmlns:a14="http://schemas.microsoft.com/office/drawing/2010/main" val="0"/>
+              </a:ext>
+            </a:extLst>
+          </a:blip>
+          <a:srcRect/>
+          <a:stretch>
+            <a:fillRect/>
+          </a:stretch>
+        </p:blipFill>
+        <p:spPr bwMode="auto">
+          <a:xfrm>
+            <a:off x="6637867" y="3843866"/>
+            <a:ext cx="3609975" cy="2828925"/>
+          </a:xfrm>
+          <a:prstGeom prst="rect">
+            <a:avLst/>
+          </a:prstGeom>
+          <a:noFill/>
+          <a:extLst>
+            <a:ext uri="{909E8E84-426E-40DD-AFC4-6F175D3DCCD1}">
+              <a14:hiddenFill xmlns:a14="http://schemas.microsoft.com/office/drawing/2010/main">
+                <a:solidFill>
+                  <a:srgbClr val="FFFFFF"/>
+                </a:solidFill>
+              </a14:hiddenFill>
+            </a:ext>
+          </a:extLst>
+        </p:spPr>
+      </p:pic>
+    </p:spTree>
+    <p:extLst>
+      <p:ext uri="{BB962C8B-B14F-4D97-AF65-F5344CB8AC3E}">
+        <p14:creationId xmlns:p14="http://schemas.microsoft.com/office/powerpoint/2010/main" val="1899826494"/>
+      </p:ext>
+    </p:extLst>
+  </p:cSld>
+  <p:clrMapOvr>
+    <a:masterClrMapping/>
+  </p:clrMapOvr>
+</p:sld>
+</file>
+
+<file path=ppt/slides/slide6.xml><?xml version="1.0" encoding="utf-8"?>
+<p:sld xmlns:a="http://schemas.openxmlformats.org/drawingml/2006/main" xmlns:r="http://schemas.openxmlformats.org/officeDocument/2006/relationships" xmlns:p="http://schemas.openxmlformats.org/presentationml/2006/main">
+  <p:cSld>
+    <p:spTree>
+      <p:nvGrpSpPr>
+        <p:cNvPr id="1" name=""/>
+        <p:cNvGrpSpPr/>
+        <p:nvPr/>
+      </p:nvGrpSpPr>
+      <p:grpSpPr>
+        <a:xfrm>
+          <a:off x="0" y="0"/>
+          <a:ext cx="0" cy="0"/>
+          <a:chOff x="0" y="0"/>
+          <a:chExt cx="0" cy="0"/>
+        </a:xfrm>
+      </p:grpSpPr>
+      <p:sp>
+        <p:nvSpPr>
+          <p:cNvPr id="2" name="Title 1"/>
+          <p:cNvSpPr>
+            <a:spLocks noGrp="1"/>
+          </p:cNvSpPr>
+          <p:nvPr>
+            <p:ph type="title"/>
+          </p:nvPr>
+        </p:nvSpPr>
+        <p:spPr/>
+        <p:txBody>
+          <a:bodyPr/>
+          <a:lstStyle/>
+          <a:p>
+            <a:r>
+              <a:rPr lang="en-US"/>
+              <a:t>Functions on va utiliser</a:t>
+            </a:r>
+          </a:p>
+        </p:txBody>
+      </p:sp>
+      <p:sp>
+        <p:nvSpPr>
+          <p:cNvPr id="3" name="Content Placeholder 2"/>
+          <p:cNvSpPr>
+            <a:spLocks noGrp="1"/>
+          </p:cNvSpPr>
+          <p:nvPr>
+            <p:ph idx="1"/>
+          </p:nvPr>
+        </p:nvSpPr>
+        <p:spPr/>
+        <p:txBody>
+          <a:bodyPr/>
+          <a:lstStyle/>
+          <a:p>
+            <a:r>
+              <a:rPr lang="en-US"/>
+              <a:t>fromstring	&lt;- créer un nouvel élément xml</a:t>
+            </a:r>
+          </a:p>
+          <a:p>
+            <a:r>
+              <a:rPr lang="en-US"/>
+              <a:t>tostring	&lt;- imprimer l’element</a:t>
+            </a:r>
+          </a:p>
+          <a:p>
+            <a:r>
+              <a:rPr lang="en-US"/>
+              <a:t>parse	&lt;- lire la structure arborescente</a:t>
+            </a:r>
+          </a:p>
+        </p:txBody>
+      </p:sp>
+    </p:spTree>
+    <p:extLst>
+      <p:ext uri="{BB962C8B-B14F-4D97-AF65-F5344CB8AC3E}">
+        <p14:creationId xmlns:p14="http://schemas.microsoft.com/office/powerpoint/2010/main" val="836374990"/>
+      </p:ext>
+    </p:extLst>
+  </p:cSld>
+  <p:clrMapOvr>
+    <a:masterClrMapping/>
+  </p:clrMapOvr>
+</p:sld>
+</file>
+
+<file path=ppt/slides/slide7.xml><?xml version="1.0" encoding="utf-8"?>
+<p:sld xmlns:a="http://schemas.openxmlformats.org/drawingml/2006/main" xmlns:r="http://schemas.openxmlformats.org/officeDocument/2006/relationships" xmlns:p="http://schemas.openxmlformats.org/presentationml/2006/main">
+  <p:cSld>
+    <p:spTree>
+      <p:nvGrpSpPr>
+        <p:cNvPr id="1" name=""/>
+        <p:cNvGrpSpPr/>
+        <p:nvPr/>
+      </p:nvGrpSpPr>
+      <p:grpSpPr>
+        <a:xfrm>
+          <a:off x="0" y="0"/>
+          <a:ext cx="0" cy="0"/>
+          <a:chOff x="0" y="0"/>
+          <a:chExt cx="0" cy="0"/>
+        </a:xfrm>
+      </p:grpSpPr>
+      <p:sp>
+        <p:nvSpPr>
+          <p:cNvPr id="2" name="Title 1"/>
+          <p:cNvSpPr>
+            <a:spLocks noGrp="1"/>
+          </p:cNvSpPr>
+          <p:nvPr>
+            <p:ph type="title"/>
+          </p:nvPr>
+        </p:nvSpPr>
+        <p:spPr/>
+        <p:txBody>
+          <a:bodyPr/>
+          <a:lstStyle/>
+          <a:p>
+            <a:r>
+              <a:rPr lang="en-US"/>
+              <a:t>Parse tree &amp; Attributes</a:t>
+            </a:r>
+          </a:p>
+        </p:txBody>
+      </p:sp>
+      <p:sp>
+        <p:nvSpPr>
+          <p:cNvPr id="3" name="Content Placeholder 2"/>
+          <p:cNvSpPr>
+            <a:spLocks noGrp="1"/>
+          </p:cNvSpPr>
+          <p:nvPr>
+            <p:ph idx="1"/>
+          </p:nvPr>
+        </p:nvSpPr>
+        <p:spPr/>
+        <p:txBody>
+          <a:bodyPr/>
+          <a:lstStyle/>
+          <a:p>
+            <a:r>
+              <a:rPr lang="en-US"/>
+              <a:t>Récupérer l'objet ElementTree avec la méthode parse()</a:t>
+            </a:r>
+          </a:p>
+          <a:p>
+            <a:r>
+              <a:rPr lang="en-US"/>
+              <a:t>Récupérer l'élément racine avec la méthode getroot() de l'objet.</a:t>
+            </a:r>
+          </a:p>
+          <a:p>
+            <a:r>
+              <a:rPr lang="en-US"/>
+              <a:t>Obtenir tous les attributs avec .attrib (propriété, pas méthode)</a:t>
+            </a:r>
+          </a:p>
+          <a:p>
+            <a:r>
+              <a:rPr lang="en-US"/>
+              <a:t>Regardez les valeurs d'attributs spécifiques avec .get()</a:t>
+            </a:r>
+          </a:p>
+        </p:txBody>
+      </p:sp>
+    </p:spTree>
+    <p:extLst>
+      <p:ext uri="{BB962C8B-B14F-4D97-AF65-F5344CB8AC3E}">
+        <p14:creationId xmlns:p14="http://schemas.microsoft.com/office/powerpoint/2010/main" val="1505219388"/>
+      </p:ext>
+    </p:extLst>
+  </p:cSld>
+  <p:clrMapOvr>
+    <a:masterClrMapping/>
+  </p:clrMapOvr>
+</p:sld>
+</file>
+
+<file path=ppt/slides/slide8.xml><?xml version="1.0" encoding="utf-8"?>
+<p:sld xmlns:a="http://schemas.openxmlformats.org/drawingml/2006/main" xmlns:r="http://schemas.openxmlformats.org/officeDocument/2006/relationships" xmlns:p="http://schemas.openxmlformats.org/presentationml/2006/main">
+  <p:cSld>
+    <p:spTree>
+      <p:nvGrpSpPr>
+        <p:cNvPr id="1" name=""/>
+        <p:cNvGrpSpPr/>
+        <p:nvPr/>
+      </p:nvGrpSpPr>
+      <p:grpSpPr>
+        <a:xfrm>
+          <a:off x="0" y="0"/>
+          <a:ext cx="0" cy="0"/>
+          <a:chOff x="0" y="0"/>
+          <a:chExt cx="0" cy="0"/>
+        </a:xfrm>
+      </p:grpSpPr>
+      <p:sp>
+        <p:nvSpPr>
+          <p:cNvPr id="2" name="Title 1"/>
+          <p:cNvSpPr>
+            <a:spLocks noGrp="1"/>
+          </p:cNvSpPr>
+          <p:nvPr>
+            <p:ph type="title"/>
+          </p:nvPr>
+        </p:nvSpPr>
+        <p:spPr/>
+        <p:txBody>
+          <a:bodyPr/>
+          <a:lstStyle/>
+          <a:p>
+            <a:r>
+              <a:rPr lang="en-US"/>
+              <a:t>Creer les elements</a:t>
+            </a:r>
+          </a:p>
+        </p:txBody>
+      </p:sp>
+      <p:sp>
+        <p:nvSpPr>
+          <p:cNvPr id="3" name="Content Placeholder 2"/>
+          <p:cNvSpPr>
+            <a:spLocks noGrp="1"/>
+          </p:cNvSpPr>
+          <p:nvPr>
+            <p:ph idx="1"/>
+          </p:nvPr>
+        </p:nvSpPr>
+        <p:spPr/>
+        <p:txBody>
+          <a:bodyPr/>
+          <a:lstStyle/>
+          <a:p>
+            <a:r>
+              <a:rPr lang="en-US"/>
+              <a:t>Creer un élément avec fromstring("&lt;tag&gt;text&lt;/tag&gt;")</a:t>
+            </a:r>
+          </a:p>
+          <a:p>
+            <a:r>
+              <a:rPr lang="en-US"/>
+              <a:t>OU:</a:t>
+            </a:r>
+          </a:p>
+          <a:p>
+            <a:pPr marL="530352" lvl="1" indent="0">
+              <a:buNone/>
+            </a:pPr>
+            <a:r>
+              <a:rPr lang="en-US"/>
+              <a:t>elementobj = ET.Element("tag")</a:t>
+            </a:r>
+          </a:p>
+          <a:p>
+            <a:pPr marL="530352" lvl="1" indent="0">
+              <a:buNone/>
+            </a:pPr>
+            <a:r>
+              <a:rPr lang="en-US"/>
+              <a:t>elementobj.text = "text"</a:t>
+            </a:r>
+          </a:p>
+          <a:p>
+            <a:r>
+              <a:rPr lang="en-US"/>
+              <a:t>En tous les cas, ajouter avec l'ajouter à l'arbre avec la fonction append() de l'élément parent</a:t>
+            </a:r>
+          </a:p>
+        </p:txBody>
+      </p:sp>
+    </p:spTree>
+    <p:extLst>
+      <p:ext uri="{BB962C8B-B14F-4D97-AF65-F5344CB8AC3E}">
+        <p14:creationId xmlns:p14="http://schemas.microsoft.com/office/powerpoint/2010/main" val="1135924784"/>
+      </p:ext>
+    </p:extLst>
+  </p:cSld>
+  <p:clrMapOvr>
+    <a:masterClrMapping/>
+  </p:clrMapOvr>
+</p:sld>
+</file>
+
+<file path=ppt/slides/slide9.xml><?xml version="1.0" encoding="utf-8"?>
+<p:sld xmlns:a="http://schemas.openxmlformats.org/drawingml/2006/main" xmlns:r="http://schemas.openxmlformats.org/officeDocument/2006/relationships" xmlns:p="http://schemas.openxmlformats.org/presentationml/2006/main">
+  <p:cSld>
+    <p:spTree>
+      <p:nvGrpSpPr>
+        <p:cNvPr id="1" name=""/>
+        <p:cNvGrpSpPr/>
+        <p:nvPr/>
+      </p:nvGrpSpPr>
+      <p:grpSpPr>
+        <a:xfrm>
+          <a:off x="0" y="0"/>
+          <a:ext cx="0" cy="0"/>
+          <a:chOff x="0" y="0"/>
+          <a:chExt cx="0" cy="0"/>
+        </a:xfrm>
+      </p:grpSpPr>
+      <p:sp>
+        <p:nvSpPr>
+          <p:cNvPr id="2" name="Title 1"/>
+          <p:cNvSpPr>
+            <a:spLocks noGrp="1"/>
+          </p:cNvSpPr>
+          <p:nvPr>
+            <p:ph type="title"/>
+          </p:nvPr>
+        </p:nvSpPr>
+        <p:spPr/>
+        <p:txBody>
+          <a:bodyPr/>
+          <a:lstStyle/>
+          <a:p>
+            <a:r>
+              <a:rPr lang="en-US"/>
+              <a:t>Changer les elements</a:t>
+            </a:r>
+          </a:p>
+        </p:txBody>
+      </p:sp>
+      <p:sp>
+        <p:nvSpPr>
+          <p:cNvPr id="3" name="Content Placeholder 2"/>
+          <p:cNvSpPr>
+            <a:spLocks noGrp="1"/>
+          </p:cNvSpPr>
+          <p:nvPr>
+            <p:ph idx="1"/>
+          </p:nvPr>
+        </p:nvSpPr>
+        <p:spPr/>
+        <p:txBody>
+          <a:bodyPr/>
+          <a:lstStyle/>
+          <a:p>
+            <a:r>
+              <a:rPr lang="en-US"/>
+              <a:t>Définir un nouvel attribut ou remplacer un ancien attribut avec .set(nom_attribut, valeur_attribut)</a:t>
+            </a:r>
+          </a:p>
+          <a:p>
+            <a:r>
+              <a:rPr lang="en-US"/>
+              <a:t>Supprimer un élément avec del()</a:t>
+            </a:r>
+          </a:p>
+          <a:p>
+            <a:pPr lvl="1"/>
+            <a:r>
+              <a:rPr lang="en-US"/>
+              <a:t>trouver/copie l’</a:t>
+            </a:r>
+            <a:r>
+              <a:rPr lang="en-US"/>
+              <a:t>élément</a:t>
+            </a:r>
+          </a:p>
+          <a:p>
+            <a:pPr lvl="1"/>
+            <a:r>
+              <a:rPr lang="en-US"/>
+              <a:t>supprimer la ‘copie’</a:t>
+            </a:r>
+            <a:endParaRPr lang="en-US"/>
+          </a:p>
+          <a:p>
+            <a:r>
+              <a:rPr lang="en-US"/>
+              <a:t>Sauvegarder les changements avec .write() sur l'objet arbre d'éléments</a:t>
+            </a:r>
+          </a:p>
+        </p:txBody>
+      </p:sp>
+    </p:spTree>
+    <p:extLst>
+      <p:ext uri="{BB962C8B-B14F-4D97-AF65-F5344CB8AC3E}">
+        <p14:creationId xmlns:p14="http://schemas.microsoft.com/office/powerpoint/2010/main" val="842053412"/>
       </p:ext>
     </p:extLst>
   </p:cSld>

--- a/atelier_xml.pptx
+++ b/atelier_xml.pptx
@@ -15,6 +15,7 @@
     <p:sldId id="263" r:id="rId9"/>
     <p:sldId id="262" r:id="rId10"/>
     <p:sldId id="264" r:id="rId11"/>
+    <p:sldId id="266" r:id="rId12"/>
   </p:sldIdLst>
   <p:sldSz cx="12192000" cy="6858000"/>
   <p:notesSz cx="6858000" cy="9144000"/>
@@ -3885,10 +3886,15 @@
             <p:ph idx="1"/>
           </p:nvPr>
         </p:nvSpPr>
-        <p:spPr/>
+        <p:spPr>
+          <a:xfrm>
+            <a:off x="1371599" y="2285999"/>
+            <a:ext cx="9872133" cy="3979333"/>
+          </a:xfrm>
+        </p:spPr>
         <p:txBody>
           <a:bodyPr>
-            <a:normAutofit lnSpcReduction="10000"/>
+            <a:normAutofit fontScale="92500" lnSpcReduction="10000"/>
           </a:bodyPr>
           <a:lstStyle/>
           <a:p>
@@ -3931,6 +3937,12 @@
             <a:r>
               <a:rPr lang="en-US"/>
               <a:t>//p[not(@audience='admin')] Renvoie tout élément &lt;p&gt;où l'attribut @audience n'a pas la valeur admin OU est manquant.</a:t>
+            </a:r>
+          </a:p>
+          <a:p>
+            <a:r>
+              <a:rPr lang="en-US"/>
+              <a:t>https://docs.python.org/3/library/xml.etree.elementtree.html#supported-xpath-syntax</a:t>
             </a:r>
           </a:p>
         </p:txBody>
@@ -3939,6 +3951,109 @@
     <p:extLst>
       <p:ext uri="{BB962C8B-B14F-4D97-AF65-F5344CB8AC3E}">
         <p14:creationId xmlns:p14="http://schemas.microsoft.com/office/powerpoint/2010/main" val="1223270026"/>
+      </p:ext>
+    </p:extLst>
+  </p:cSld>
+  <p:clrMapOvr>
+    <a:masterClrMapping/>
+  </p:clrMapOvr>
+</p:sld>
+</file>
+
+<file path=ppt/slides/slide11.xml><?xml version="1.0" encoding="utf-8"?>
+<p:sld xmlns:a="http://schemas.openxmlformats.org/drawingml/2006/main" xmlns:r="http://schemas.openxmlformats.org/officeDocument/2006/relationships" xmlns:p="http://schemas.openxmlformats.org/presentationml/2006/main">
+  <p:cSld>
+    <p:spTree>
+      <p:nvGrpSpPr>
+        <p:cNvPr id="1" name=""/>
+        <p:cNvGrpSpPr/>
+        <p:nvPr/>
+      </p:nvGrpSpPr>
+      <p:grpSpPr>
+        <a:xfrm>
+          <a:off x="0" y="0"/>
+          <a:ext cx="0" cy="0"/>
+          <a:chOff x="0" y="0"/>
+          <a:chExt cx="0" cy="0"/>
+        </a:xfrm>
+      </p:grpSpPr>
+      <p:sp>
+        <p:nvSpPr>
+          <p:cNvPr id="2" name="Title 1"/>
+          <p:cNvSpPr>
+            <a:spLocks noGrp="1"/>
+          </p:cNvSpPr>
+          <p:nvPr>
+            <p:ph type="title"/>
+          </p:nvPr>
+        </p:nvSpPr>
+        <p:spPr/>
+        <p:txBody>
+          <a:bodyPr/>
+          <a:lstStyle/>
+          <a:p>
+            <a:r>
+              <a:rPr lang="en-US"/>
+              <a:t>La Boucle</a:t>
+            </a:r>
+          </a:p>
+        </p:txBody>
+      </p:sp>
+      <p:sp>
+        <p:nvSpPr>
+          <p:cNvPr id="3" name="Content Placeholder 2"/>
+          <p:cNvSpPr>
+            <a:spLocks noGrp="1"/>
+          </p:cNvSpPr>
+          <p:nvPr>
+            <p:ph idx="1"/>
+          </p:nvPr>
+        </p:nvSpPr>
+        <p:spPr/>
+        <p:txBody>
+          <a:bodyPr/>
+          <a:lstStyle/>
+          <a:p>
+            <a:r>
+              <a:rPr lang="en-US"/>
+              <a:t>Sélectionnez toutes les </a:t>
+            </a:r>
+            <a:r>
+              <a:rPr lang="en-US"/>
+              <a:t>éléments </a:t>
+            </a:r>
+            <a:r>
+              <a:rPr lang="en-US"/>
+              <a:t>"nom" </a:t>
+            </a:r>
+          </a:p>
+          <a:p>
+            <a:r>
+              <a:rPr lang="en-US"/>
+              <a:t>Passez-les en boucle</a:t>
+            </a:r>
+          </a:p>
+          <a:p>
+            <a:r>
+              <a:rPr lang="en-US"/>
+              <a:t>Attribuer un attribut numérique à chacune</a:t>
+            </a:r>
+          </a:p>
+          <a:p>
+            <a:r>
+              <a:rPr lang="en-US"/>
+              <a:t>Sauvegarder le fichier XML</a:t>
+            </a:r>
+          </a:p>
+          <a:p>
+            <a:endParaRPr lang="en-US"/>
+          </a:p>
+        </p:txBody>
+      </p:sp>
+    </p:spTree>
+    <p:extLst>
+      <p:ext uri="{BB962C8B-B14F-4D97-AF65-F5344CB8AC3E}">
+        <p14:creationId xmlns:p14="http://schemas.microsoft.com/office/powerpoint/2010/main" val="1656040518"/>
       </p:ext>
     </p:extLst>
   </p:cSld>
@@ -4787,6 +4902,12 @@
               <a:t>supprimer la ‘copie’</a:t>
             </a:r>
             <a:endParaRPr lang="en-US"/>
+          </a:p>
+          <a:p>
+            <a:r>
+              <a:rPr lang="en-US"/>
+              <a:t>Supprimer un élément avec la méthode remove() de l'objet nœud parent</a:t>
+            </a:r>
           </a:p>
           <a:p>
             <a:r>
